--- a/FootyOracle-MoralisAvax.pptx
+++ b/FootyOracle-MoralisAvax.pptx
@@ -2653,7 +2653,7 @@
           <a:p>
             <a:fld id="{06035113-CCD9-A349-BE9E-2BE08B372A31}" type="datetimeFigureOut">
               <a:rPr lang="en-US" smtClean="0"/>
-              <a:t>1/20/22</a:t>
+              <a:t>1/20/2022</a:t>
             </a:fld>
             <a:endParaRPr lang="en-US"/>
           </a:p>
@@ -2721,7 +2721,7 @@
           <a:p>
             <a:fld id="{3A3240F5-AFDB-DE48-B865-21879250C146}" type="slidenum">
               <a:rPr lang="en-US" smtClean="0"/>
-              <a:t>‹#›</a:t>
+              <a:t>‹Nr.›</a:t>
             </a:fld>
             <a:endParaRPr lang="en-US"/>
           </a:p>
@@ -2983,7 +2983,7 @@
           <a:p>
             <a:fld id="{06035113-CCD9-A349-BE9E-2BE08B372A31}" type="datetimeFigureOut">
               <a:rPr lang="en-US" smtClean="0"/>
-              <a:t>1/20/22</a:t>
+              <a:t>1/20/2022</a:t>
             </a:fld>
             <a:endParaRPr lang="en-US"/>
           </a:p>
@@ -3025,7 +3025,7 @@
           <a:p>
             <a:fld id="{3A3240F5-AFDB-DE48-B865-21879250C146}" type="slidenum">
               <a:rPr lang="en-US" smtClean="0"/>
-              <a:t>‹#›</a:t>
+              <a:t>‹Nr.›</a:t>
             </a:fld>
             <a:endParaRPr lang="en-US"/>
           </a:p>
@@ -3163,7 +3163,7 @@
           <a:p>
             <a:fld id="{06035113-CCD9-A349-BE9E-2BE08B372A31}" type="datetimeFigureOut">
               <a:rPr lang="en-US" smtClean="0"/>
-              <a:t>1/20/22</a:t>
+              <a:t>1/20/2022</a:t>
             </a:fld>
             <a:endParaRPr lang="en-US"/>
           </a:p>
@@ -3205,7 +3205,7 @@
           <a:p>
             <a:fld id="{3A3240F5-AFDB-DE48-B865-21879250C146}" type="slidenum">
               <a:rPr lang="en-US" smtClean="0"/>
-              <a:t>‹#›</a:t>
+              <a:t>‹Nr.›</a:t>
             </a:fld>
             <a:endParaRPr lang="en-US"/>
           </a:p>
@@ -3333,7 +3333,7 @@
           <a:p>
             <a:fld id="{06035113-CCD9-A349-BE9E-2BE08B372A31}" type="datetimeFigureOut">
               <a:rPr lang="en-US" smtClean="0"/>
-              <a:t>1/20/22</a:t>
+              <a:t>1/20/2022</a:t>
             </a:fld>
             <a:endParaRPr lang="en-US"/>
           </a:p>
@@ -3375,7 +3375,7 @@
           <a:p>
             <a:fld id="{3A3240F5-AFDB-DE48-B865-21879250C146}" type="slidenum">
               <a:rPr lang="en-US" smtClean="0"/>
-              <a:t>‹#›</a:t>
+              <a:t>‹Nr.›</a:t>
             </a:fld>
             <a:endParaRPr lang="en-US"/>
           </a:p>
@@ -3610,7 +3610,7 @@
           <a:p>
             <a:fld id="{06035113-CCD9-A349-BE9E-2BE08B372A31}" type="datetimeFigureOut">
               <a:rPr lang="en-US" smtClean="0"/>
-              <a:t>1/20/22</a:t>
+              <a:t>1/20/2022</a:t>
             </a:fld>
             <a:endParaRPr lang="en-US"/>
           </a:p>
@@ -3678,7 +3678,7 @@
           <a:p>
             <a:fld id="{3A3240F5-AFDB-DE48-B865-21879250C146}" type="slidenum">
               <a:rPr lang="en-US" smtClean="0"/>
-              <a:t>‹#›</a:t>
+              <a:t>‹Nr.›</a:t>
             </a:fld>
             <a:endParaRPr lang="en-US"/>
           </a:p>
@@ -4004,7 +4004,7 @@
           <a:p>
             <a:fld id="{06035113-CCD9-A349-BE9E-2BE08B372A31}" type="datetimeFigureOut">
               <a:rPr lang="en-US" smtClean="0"/>
-              <a:t>1/20/22</a:t>
+              <a:t>1/20/2022</a:t>
             </a:fld>
             <a:endParaRPr lang="en-US"/>
           </a:p>
@@ -4046,7 +4046,7 @@
           <a:p>
             <a:fld id="{3A3240F5-AFDB-DE48-B865-21879250C146}" type="slidenum">
               <a:rPr lang="en-US" smtClean="0"/>
-              <a:t>‹#›</a:t>
+              <a:t>‹Nr.›</a:t>
             </a:fld>
             <a:endParaRPr lang="en-US"/>
           </a:p>
@@ -4481,7 +4481,7 @@
           <a:p>
             <a:fld id="{06035113-CCD9-A349-BE9E-2BE08B372A31}" type="datetimeFigureOut">
               <a:rPr lang="en-US" smtClean="0"/>
-              <a:t>1/20/22</a:t>
+              <a:t>1/20/2022</a:t>
             </a:fld>
             <a:endParaRPr lang="en-US"/>
           </a:p>
@@ -4523,7 +4523,7 @@
           <a:p>
             <a:fld id="{3A3240F5-AFDB-DE48-B865-21879250C146}" type="slidenum">
               <a:rPr lang="en-US" smtClean="0"/>
-              <a:t>‹#›</a:t>
+              <a:t>‹Nr.›</a:t>
             </a:fld>
             <a:endParaRPr lang="en-US"/>
           </a:p>
@@ -4599,7 +4599,7 @@
           <a:p>
             <a:fld id="{06035113-CCD9-A349-BE9E-2BE08B372A31}" type="datetimeFigureOut">
               <a:rPr lang="en-US" smtClean="0"/>
-              <a:t>1/20/22</a:t>
+              <a:t>1/20/2022</a:t>
             </a:fld>
             <a:endParaRPr lang="en-US"/>
           </a:p>
@@ -4641,7 +4641,7 @@
           <a:p>
             <a:fld id="{3A3240F5-AFDB-DE48-B865-21879250C146}" type="slidenum">
               <a:rPr lang="en-US" smtClean="0"/>
-              <a:t>‹#›</a:t>
+              <a:t>‹Nr.›</a:t>
             </a:fld>
             <a:endParaRPr lang="en-US"/>
           </a:p>
@@ -4694,7 +4694,7 @@
           <a:p>
             <a:fld id="{06035113-CCD9-A349-BE9E-2BE08B372A31}" type="datetimeFigureOut">
               <a:rPr lang="en-US" smtClean="0"/>
-              <a:t>1/20/22</a:t>
+              <a:t>1/20/2022</a:t>
             </a:fld>
             <a:endParaRPr lang="en-US"/>
           </a:p>
@@ -4736,7 +4736,7 @@
           <a:p>
             <a:fld id="{3A3240F5-AFDB-DE48-B865-21879250C146}" type="slidenum">
               <a:rPr lang="en-US" smtClean="0"/>
-              <a:t>‹#›</a:t>
+              <a:t>‹Nr.›</a:t>
             </a:fld>
             <a:endParaRPr lang="en-US"/>
           </a:p>
@@ -5040,7 +5040,7 @@
           <a:p>
             <a:fld id="{06035113-CCD9-A349-BE9E-2BE08B372A31}" type="datetimeFigureOut">
               <a:rPr lang="en-US" smtClean="0"/>
-              <a:t>1/20/22</a:t>
+              <a:t>1/20/2022</a:t>
             </a:fld>
             <a:endParaRPr lang="en-US"/>
           </a:p>
@@ -5108,7 +5108,7 @@
           <a:p>
             <a:fld id="{3A3240F5-AFDB-DE48-B865-21879250C146}" type="slidenum">
               <a:rPr lang="en-US" smtClean="0"/>
-              <a:t>‹#›</a:t>
+              <a:t>‹Nr.›</a:t>
             </a:fld>
             <a:endParaRPr lang="en-US"/>
           </a:p>
@@ -5428,7 +5428,7 @@
           <a:p>
             <a:fld id="{06035113-CCD9-A349-BE9E-2BE08B372A31}" type="datetimeFigureOut">
               <a:rPr lang="en-US" smtClean="0"/>
-              <a:t>1/20/22</a:t>
+              <a:t>1/20/2022</a:t>
             </a:fld>
             <a:endParaRPr lang="en-US"/>
           </a:p>
@@ -5496,7 +5496,7 @@
           <a:p>
             <a:fld id="{3A3240F5-AFDB-DE48-B865-21879250C146}" type="slidenum">
               <a:rPr lang="en-US" smtClean="0"/>
-              <a:t>‹#›</a:t>
+              <a:t>‹Nr.›</a:t>
             </a:fld>
             <a:endParaRPr lang="en-US"/>
           </a:p>
@@ -5706,7 +5706,7 @@
           <a:p>
             <a:fld id="{06035113-CCD9-A349-BE9E-2BE08B372A31}" type="datetimeFigureOut">
               <a:rPr lang="en-US" smtClean="0"/>
-              <a:t>1/20/22</a:t>
+              <a:t>1/20/2022</a:t>
             </a:fld>
             <a:endParaRPr lang="en-US"/>
           </a:p>
@@ -5780,7 +5780,7 @@
           <a:p>
             <a:fld id="{3A3240F5-AFDB-DE48-B865-21879250C146}" type="slidenum">
               <a:rPr lang="en-US" smtClean="0"/>
-              <a:t>‹#›</a:t>
+              <a:t>‹Nr.›</a:t>
             </a:fld>
             <a:endParaRPr lang="en-US"/>
           </a:p>
@@ -6152,7 +6152,7 @@
       </a:lvl9pPr>
     </p:otherStyle>
   </p:txStyles>
-  <p:extLst mod="1">
+  <p:extLst>
     <p:ext uri="{27BBF7A9-308A-43DC-89C8-2F10F3537804}">
       <p15:sldGuideLst xmlns:p15="http://schemas.microsoft.com/office/powerpoint/2012/main">
         <p15:guide id="3" orient="horz" pos="1368">
@@ -6325,8 +6325,29 @@
                   <a:schemeClr val="tx1"/>
                 </a:solidFill>
               </a:rPr>
-              <a:t>Frank Kohn</a:t>
-            </a:r>
+              <a:t>Frank K</a:t>
+            </a:r>
+            <a:r>
+              <a:rPr lang="en-DE" dirty="0">
+                <a:solidFill>
+                  <a:schemeClr val="tx1"/>
+                </a:solidFill>
+              </a:rPr>
+              <a:t>ö</a:t>
+            </a:r>
+            <a:r>
+              <a:rPr lang="en-US" dirty="0" err="1">
+                <a:solidFill>
+                  <a:schemeClr val="tx1"/>
+                </a:solidFill>
+              </a:rPr>
+              <a:t>hn</a:t>
+            </a:r>
+            <a:endParaRPr lang="en-US" dirty="0">
+              <a:solidFill>
+                <a:schemeClr val="tx1"/>
+              </a:solidFill>
+            </a:endParaRPr>
           </a:p>
           <a:p>
             <a:r>
@@ -6366,10 +6387,10 @@
       </p:sp>
       <p:pic>
         <p:nvPicPr>
-          <p:cNvPr id="5" name="Picture 4">
+          <p:cNvPr id="6" name="Grafik 5">
             <a:extLst>
               <a:ext uri="{FF2B5EF4-FFF2-40B4-BE49-F238E27FC236}">
-                <a16:creationId xmlns:a16="http://schemas.microsoft.com/office/drawing/2014/main" id="{4940FDCC-EE0B-DC40-A0D4-8D9CF742C34B}"/>
+                <a16:creationId xmlns:a16="http://schemas.microsoft.com/office/drawing/2014/main" id="{FB1BA837-2831-453D-A527-3A6888A75C70}"/>
               </a:ext>
             </a:extLst>
           </p:cNvPr>
@@ -6378,16 +6399,15 @@
           </p:cNvPicPr>
           <p:nvPr/>
         </p:nvPicPr>
-        <p:blipFill>
+        <p:blipFill rotWithShape="1">
           <a:blip r:embed="rId2"/>
-          <a:stretch>
-            <a:fillRect/>
-          </a:stretch>
+          <a:srcRect l="17570" t="53516" r="65522" b="6973"/>
+          <a:stretch/>
         </p:blipFill>
         <p:spPr>
           <a:xfrm>
-            <a:off x="10276357" y="3940020"/>
-            <a:ext cx="1726300" cy="2697344"/>
+            <a:off x="10062425" y="3886679"/>
+            <a:ext cx="1773558" cy="2787637"/>
           </a:xfrm>
           <a:prstGeom prst="rect">
             <a:avLst/>
@@ -6747,10 +6767,10 @@
       </p:sp>
       <p:pic>
         <p:nvPicPr>
-          <p:cNvPr id="11" name="Picture 10">
+          <p:cNvPr id="12" name="Grafik 11">
             <a:extLst>
               <a:ext uri="{FF2B5EF4-FFF2-40B4-BE49-F238E27FC236}">
-                <a16:creationId xmlns:a16="http://schemas.microsoft.com/office/drawing/2014/main" id="{D57D23D1-B91E-0948-B21C-40D5FA9428A0}"/>
+                <a16:creationId xmlns:a16="http://schemas.microsoft.com/office/drawing/2014/main" id="{300DE953-96B5-4D57-9DC2-D6F8FD4B9914}"/>
               </a:ext>
             </a:extLst>
           </p:cNvPr>
@@ -6759,16 +6779,15 @@
           </p:cNvPicPr>
           <p:nvPr/>
         </p:nvPicPr>
-        <p:blipFill>
+        <p:blipFill rotWithShape="1">
           <a:blip r:embed="rId3"/>
-          <a:stretch>
-            <a:fillRect/>
-          </a:stretch>
+          <a:srcRect l="17570" t="53516" r="65522" b="6973"/>
+          <a:stretch/>
         </p:blipFill>
         <p:spPr>
           <a:xfrm>
-            <a:off x="8797177" y="2706722"/>
-            <a:ext cx="1883100" cy="2942343"/>
+            <a:off x="8692573" y="2630697"/>
+            <a:ext cx="1926277" cy="3027677"/>
           </a:xfrm>
           <a:prstGeom prst="rect">
             <a:avLst/>
@@ -6987,10 +7006,10 @@
       </p:sp>
       <p:pic>
         <p:nvPicPr>
-          <p:cNvPr id="8" name="Picture 7">
+          <p:cNvPr id="9" name="Grafik 8">
             <a:extLst>
               <a:ext uri="{FF2B5EF4-FFF2-40B4-BE49-F238E27FC236}">
-                <a16:creationId xmlns:a16="http://schemas.microsoft.com/office/drawing/2014/main" id="{F99EE44F-2A1B-EF43-BA5A-6C84BBEC73C8}"/>
+                <a16:creationId xmlns:a16="http://schemas.microsoft.com/office/drawing/2014/main" id="{DE240EE3-D1F2-4023-894A-DBC15E070BA1}"/>
               </a:ext>
             </a:extLst>
           </p:cNvPr>
@@ -6999,16 +7018,15 @@
           </p:cNvPicPr>
           <p:nvPr/>
         </p:nvPicPr>
-        <p:blipFill>
+        <p:blipFill rotWithShape="1">
           <a:blip r:embed="rId3"/>
-          <a:stretch>
-            <a:fillRect/>
-          </a:stretch>
+          <a:srcRect l="17570" t="53516" r="65522" b="6973"/>
+          <a:stretch/>
         </p:blipFill>
         <p:spPr>
           <a:xfrm>
-            <a:off x="7444699" y="1678116"/>
-            <a:ext cx="2701660" cy="4221343"/>
+            <a:off x="7534743" y="1764127"/>
+            <a:ext cx="2448156" cy="3847954"/>
           </a:xfrm>
           <a:prstGeom prst="rect">
             <a:avLst/>
@@ -7090,10 +7108,10 @@
       </p:sp>
       <p:pic>
         <p:nvPicPr>
-          <p:cNvPr id="5" name="Picture 4">
+          <p:cNvPr id="9" name="Grafik 8">
             <a:extLst>
               <a:ext uri="{FF2B5EF4-FFF2-40B4-BE49-F238E27FC236}">
-                <a16:creationId xmlns:a16="http://schemas.microsoft.com/office/drawing/2014/main" id="{E0CD36D0-B4D6-6245-BF5C-9F159B23676E}"/>
+                <a16:creationId xmlns:a16="http://schemas.microsoft.com/office/drawing/2014/main" id="{AFC54E14-7ADF-4985-9097-3C01D1410407}"/>
               </a:ext>
             </a:extLst>
           </p:cNvPr>
@@ -7110,8 +7128,8 @@
         </p:blipFill>
         <p:spPr>
           <a:xfrm>
-            <a:off x="882867" y="1397876"/>
-            <a:ext cx="11032705" cy="4750676"/>
+            <a:off x="945324" y="1446005"/>
+            <a:ext cx="10453752" cy="5411995"/>
           </a:xfrm>
           <a:prstGeom prst="rect">
             <a:avLst/>
@@ -7177,7 +7195,15 @@
             <a:pPr algn="ctr"/>
             <a:r>
               <a:rPr lang="en-US" dirty="0"/>
-              <a:t>YEILDYAK DEX PLUGIN</a:t>
+              <a:t>Y</a:t>
+            </a:r>
+            <a:r>
+              <a:rPr lang="en-DE" dirty="0"/>
+              <a:t>IE</a:t>
+            </a:r>
+            <a:r>
+              <a:rPr lang="en-US" dirty="0"/>
+              <a:t>LDYAK DEX PLUGIN</a:t>
             </a:r>
           </a:p>
         </p:txBody>
@@ -7239,8 +7265,16 @@
           <a:lstStyle/>
           <a:p>
             <a:r>
+              <a:rPr lang="en-US" dirty="0"/>
+              <a:t>Yi</a:t>
+            </a:r>
+            <a:r>
+              <a:rPr lang="en-DE" dirty="0"/>
+              <a:t>e</a:t>
+            </a:r>
+            <a:r>
               <a:rPr lang="en-US" dirty="0" err="1"/>
-              <a:t>YeildYak</a:t>
+              <a:t>ldYak</a:t>
             </a:r>
             <a:r>
               <a:rPr lang="en-US" dirty="0"/>
@@ -7305,11 +7339,15 @@
             </a:r>
             <a:r>
               <a:rPr lang="en-US" sz="2400" dirty="0"/>
-              <a:t> own </a:t>
+              <a:t> own Yi</a:t>
+            </a:r>
+            <a:r>
+              <a:rPr lang="en-DE" sz="2400" dirty="0"/>
+              <a:t>e</a:t>
             </a:r>
             <a:r>
               <a:rPr lang="en-US" sz="2400" dirty="0" err="1"/>
-              <a:t>YeildYak</a:t>
+              <a:t>ldYak</a:t>
             </a:r>
             <a:r>
               <a:rPr lang="en-US" sz="2400" dirty="0"/>
@@ -7343,31 +7381,31 @@
       </p:sp>
       <p:pic>
         <p:nvPicPr>
-          <p:cNvPr id="11" name="Content Placeholder 10">
+          <p:cNvPr id="5" name="Grafik 4">
             <a:extLst>
               <a:ext uri="{FF2B5EF4-FFF2-40B4-BE49-F238E27FC236}">
-                <a16:creationId xmlns:a16="http://schemas.microsoft.com/office/drawing/2014/main" id="{C7ED2D86-5D9C-B847-8A0D-6ABC6700A78B}"/>
+                <a16:creationId xmlns:a16="http://schemas.microsoft.com/office/drawing/2014/main" id="{0E2B8363-B0EF-4CA9-AEF2-18D70D20DB42}"/>
               </a:ext>
             </a:extLst>
           </p:cNvPr>
           <p:cNvPicPr>
-            <a:picLocks noGrp="1" noChangeAspect="1"/>
+            <a:picLocks noChangeAspect="1"/>
           </p:cNvPicPr>
-          <p:nvPr>
-            <p:ph sz="quarter" idx="4"/>
-          </p:nvPr>
+          <p:nvPr/>
         </p:nvPicPr>
-        <p:blipFill>
+        <p:blipFill rotWithShape="1">
           <a:blip r:embed="rId2"/>
-          <a:stretch>
-            <a:fillRect/>
-          </a:stretch>
+          <a:srcRect l="28029" t="8443" r="22430" b="44575"/>
+          <a:stretch/>
         </p:blipFill>
         <p:spPr>
           <a:xfrm>
-            <a:off x="5957067" y="1958009"/>
-            <a:ext cx="6129548" cy="2340722"/>
+            <a:off x="5931017" y="1450428"/>
+            <a:ext cx="6040074" cy="2965508"/>
           </a:xfrm>
+          <a:prstGeom prst="rect">
+            <a:avLst/>
+          </a:prstGeom>
         </p:spPr>
       </p:pic>
     </p:spTree>
@@ -7538,14 +7576,22 @@
           <a:lstStyle/>
           <a:p>
             <a:r>
+              <a:rPr lang="en-US" sz="2800" b="1" dirty="0"/>
+              <a:t>Problem</a:t>
+            </a:r>
+            <a:r>
               <a:rPr lang="en-US" sz="2800" dirty="0"/>
-              <a:t>Problem: User is new to prediction markets and apprehensive about losing funds. </a:t>
-            </a:r>
-          </a:p>
-          <a:p>
+              <a:t>: User is new to prediction markets and apprehensive about losing funds. </a:t>
+            </a:r>
+          </a:p>
+          <a:p>
+            <a:r>
+              <a:rPr lang="en-US" sz="2800" b="1" dirty="0"/>
+              <a:t>Solution</a:t>
+            </a:r>
             <a:r>
               <a:rPr lang="en-US" sz="2800" dirty="0"/>
-              <a:t>Solution: Lossless betting. </a:t>
+              <a:t>: Lossless betting. </a:t>
             </a:r>
           </a:p>
           <a:p>
@@ -7925,13 +7971,16 @@
           <a:p>
             <a:r>
               <a:rPr lang="en-US" sz="3200" dirty="0"/>
-              <a:t>DEX plugin with </a:t>
-            </a:r>
-            <a:r>
-              <a:rPr lang="en-US" sz="3200" dirty="0" err="1"/>
-              <a:t>YeildYak</a:t>
-            </a:r>
-            <a:endParaRPr lang="en-US" sz="3200" dirty="0"/>
+              <a:t>DEX plugin with Y</a:t>
+            </a:r>
+            <a:r>
+              <a:rPr lang="en-DE" sz="3200" dirty="0" err="1"/>
+              <a:t>ield</a:t>
+            </a:r>
+            <a:r>
+              <a:rPr lang="en-US" sz="3200" dirty="0"/>
+              <a:t>Yak</a:t>
+            </a:r>
           </a:p>
           <a:p>
             <a:r>
@@ -8075,14 +8124,22 @@
           <a:lstStyle/>
           <a:p>
             <a:r>
+              <a:rPr lang="en-US" sz="2800" b="1" dirty="0"/>
+              <a:t>Problem</a:t>
+            </a:r>
+            <a:r>
               <a:rPr lang="en-US" sz="2800" dirty="0"/>
-              <a:t>Problem: P2P Betting will have bets that are unmatched. </a:t>
-            </a:r>
-          </a:p>
-          <a:p>
+              <a:t>: P2P Betting will have bets that are unmatched. </a:t>
+            </a:r>
+          </a:p>
+          <a:p>
+            <a:r>
+              <a:rPr lang="en-US" sz="2800" b="1" dirty="0"/>
+              <a:t>Solution</a:t>
+            </a:r>
             <a:r>
               <a:rPr lang="en-US" sz="2800" dirty="0"/>
-              <a:t>Solution: A Market Maker that will take the opposing side only if the odds are favorable.</a:t>
+              <a:t>: A Market Maker that will take the opposing side only if the odds are favorable.</a:t>
             </a:r>
           </a:p>
           <a:p>
@@ -8307,8 +8364,12 @@
           <a:lstStyle/>
           <a:p>
             <a:r>
+              <a:rPr lang="en-US" b="1" dirty="0"/>
+              <a:t>For Bettor</a:t>
+            </a:r>
+            <a:r>
               <a:rPr lang="en-US" dirty="0"/>
-              <a:t>For Bettor:</a:t>
+              <a:t>:</a:t>
             </a:r>
           </a:p>
           <a:p>
@@ -8327,8 +8388,12 @@
           </a:p>
           <a:p>
             <a:r>
+              <a:rPr lang="en-US" b="1" dirty="0"/>
+              <a:t>For LP token holders</a:t>
+            </a:r>
+            <a:r>
               <a:rPr lang="en-US" dirty="0"/>
-              <a:t>For LP token holders:</a:t>
+              <a:t>:</a:t>
             </a:r>
           </a:p>
           <a:p>
@@ -8363,9 +8428,14 @@
           </a:p>
           <a:p>
             <a:r>
-              <a:rPr lang="en-US" dirty="0"/>
+              <a:rPr lang="en-US" b="1" dirty="0"/>
               <a:t>For Platform</a:t>
             </a:r>
+            <a:r>
+              <a:rPr lang="en-DE" b="1" dirty="0"/>
+              <a:t>:</a:t>
+            </a:r>
+            <a:endParaRPr lang="en-US" b="1" dirty="0"/>
           </a:p>
           <a:p>
             <a:pPr lvl="1"/>
@@ -8377,12 +8447,8 @@
           <a:p>
             <a:pPr lvl="1"/>
             <a:r>
-              <a:rPr lang="en-US"/>
-              <a:t>LP </a:t>
-            </a:r>
-            <a:r>
               <a:rPr lang="en-US" dirty="0"/>
-              <a:t>tokens are NFTs, more potential for NFT Marketplace trading, more fees.</a:t>
+              <a:t>LP tokens are NFTs, more potential for NFT Marketplace trading, more fees.</a:t>
             </a:r>
           </a:p>
           <a:p>
@@ -8507,6 +8573,11 @@
               <a:rPr lang="en-US" sz="2800" dirty="0"/>
               <a:t>Cloud functions, Event Sync</a:t>
             </a:r>
+            <a:r>
+              <a:rPr lang="en-DE" sz="2800" dirty="0"/>
+              <a:t>, Web3 API</a:t>
+            </a:r>
+            <a:endParaRPr lang="en-US" sz="2800" dirty="0"/>
           </a:p>
           <a:p>
             <a:pPr lvl="1"/>
@@ -8538,8 +8609,16 @@
           </a:p>
           <a:p>
             <a:r>
+              <a:rPr lang="en-US" sz="2800" b="1" dirty="0"/>
+              <a:t>Y</a:t>
+            </a:r>
+            <a:r>
+              <a:rPr lang="en-DE" sz="2800" b="1" dirty="0" err="1"/>
+              <a:t>ie</a:t>
+            </a:r>
+            <a:r>
               <a:rPr lang="en-US" sz="2800" b="1" dirty="0" err="1"/>
-              <a:t>YeildYak</a:t>
+              <a:t>ldYak</a:t>
             </a:r>
             <a:r>
               <a:rPr lang="en-US" sz="2800" dirty="0"/>
@@ -10857,10 +10936,10 @@
       </p:grpSp>
       <p:pic>
         <p:nvPicPr>
-          <p:cNvPr id="5" name="Picture 4">
+          <p:cNvPr id="22" name="Grafik 21">
             <a:extLst>
               <a:ext uri="{FF2B5EF4-FFF2-40B4-BE49-F238E27FC236}">
-                <a16:creationId xmlns:a16="http://schemas.microsoft.com/office/drawing/2014/main" id="{4884DC13-EEF0-3744-BE92-4A9A52C7FD29}"/>
+                <a16:creationId xmlns:a16="http://schemas.microsoft.com/office/drawing/2014/main" id="{324EF24B-E89B-49AD-9E4F-972E8BDFFD31}"/>
               </a:ext>
             </a:extLst>
           </p:cNvPr>
@@ -10869,16 +10948,15 @@
           </p:cNvPicPr>
           <p:nvPr/>
         </p:nvPicPr>
-        <p:blipFill>
+        <p:blipFill rotWithShape="1">
           <a:blip r:embed="rId3"/>
-          <a:stretch>
-            <a:fillRect/>
-          </a:stretch>
+          <a:srcRect l="17570" t="53516" r="65522" b="6973"/>
+          <a:stretch/>
         </p:blipFill>
         <p:spPr>
           <a:xfrm>
-            <a:off x="9180059" y="975690"/>
-            <a:ext cx="2701660" cy="4221343"/>
+            <a:off x="9400032" y="1233577"/>
+            <a:ext cx="2452201" cy="3854312"/>
           </a:xfrm>
           <a:prstGeom prst="rect">
             <a:avLst/>
@@ -10917,36 +10995,6 @@
       </p:grpSpPr>
       <p:pic>
         <p:nvPicPr>
-          <p:cNvPr id="4" name="Picture 3">
-            <a:extLst>
-              <a:ext uri="{FF2B5EF4-FFF2-40B4-BE49-F238E27FC236}">
-                <a16:creationId xmlns:a16="http://schemas.microsoft.com/office/drawing/2014/main" id="{2746FB6A-3A5D-394A-891F-9085B2F1F731}"/>
-              </a:ext>
-            </a:extLst>
-          </p:cNvPr>
-          <p:cNvPicPr>
-            <a:picLocks noChangeAspect="1"/>
-          </p:cNvPicPr>
-          <p:nvPr/>
-        </p:nvPicPr>
-        <p:blipFill>
-          <a:blip r:embed="rId2"/>
-          <a:stretch>
-            <a:fillRect/>
-          </a:stretch>
-        </p:blipFill>
-        <p:spPr>
-          <a:xfrm>
-            <a:off x="3266014" y="1463061"/>
-            <a:ext cx="2434486" cy="3803884"/>
-          </a:xfrm>
-          <a:prstGeom prst="rect">
-            <a:avLst/>
-          </a:prstGeom>
-        </p:spPr>
-      </p:pic>
-      <p:pic>
-        <p:nvPicPr>
           <p:cNvPr id="5" name="Picture 4">
             <a:extLst>
               <a:ext uri="{FF2B5EF4-FFF2-40B4-BE49-F238E27FC236}">
@@ -10960,7 +11008,7 @@
           <p:nvPr/>
         </p:nvPicPr>
         <p:blipFill>
-          <a:blip r:embed="rId3"/>
+          <a:blip r:embed="rId2"/>
           <a:stretch>
             <a:fillRect/>
           </a:stretch>
@@ -10990,7 +11038,7 @@
           <p:nvPr/>
         </p:nvPicPr>
         <p:blipFill>
-          <a:blip r:embed="rId4"/>
+          <a:blip r:embed="rId3"/>
           <a:stretch>
             <a:fillRect/>
           </a:stretch>
@@ -11083,6 +11131,35 @@
           </a:p>
         </p:txBody>
       </p:sp>
+      <p:pic>
+        <p:nvPicPr>
+          <p:cNvPr id="9" name="Grafik 8">
+            <a:extLst>
+              <a:ext uri="{FF2B5EF4-FFF2-40B4-BE49-F238E27FC236}">
+                <a16:creationId xmlns:a16="http://schemas.microsoft.com/office/drawing/2014/main" id="{9598A13F-7189-461C-88E3-627DAD658E75}"/>
+              </a:ext>
+            </a:extLst>
+          </p:cNvPr>
+          <p:cNvPicPr>
+            <a:picLocks noChangeAspect="1"/>
+          </p:cNvPicPr>
+          <p:nvPr/>
+        </p:nvPicPr>
+        <p:blipFill rotWithShape="1">
+          <a:blip r:embed="rId4"/>
+          <a:srcRect l="17570" t="53516" r="65522" b="6973"/>
+          <a:stretch/>
+        </p:blipFill>
+        <p:spPr>
+          <a:xfrm>
+            <a:off x="4051883" y="1879882"/>
+            <a:ext cx="2400211" cy="3772596"/>
+          </a:xfrm>
+          <a:prstGeom prst="rect">
+            <a:avLst/>
+          </a:prstGeom>
+        </p:spPr>
+      </p:pic>
     </p:spTree>
     <p:extLst>
       <p:ext uri="{BB962C8B-B14F-4D97-AF65-F5344CB8AC3E}">
@@ -11114,54 +11191,14 @@
                             </p:stCondLst>
                             <p:childTnLst>
                               <p:par>
-                                <p:cTn id="5" presetID="0" presetClass="path" presetSubtype="0" accel="50000" decel="50000" fill="hold" nodeType="clickEffect">
-                                  <p:stCondLst>
-                                    <p:cond delay="0"/>
-                                  </p:stCondLst>
-                                  <p:childTnLst>
-                                    <p:animMotion origin="layout" path="M 0.0414 -0.00509 L 0.30247 0.00162 " pathEditMode="relative" rAng="0" ptsTypes="AA">
-                                      <p:cBhvr>
-                                        <p:cTn id="6" dur="2000" fill="hold"/>
-                                        <p:tgtEl>
-                                          <p:spTgt spid="4"/>
-                                        </p:tgtEl>
-                                        <p:attrNameLst>
-                                          <p:attrName>ppt_x</p:attrName>
-                                          <p:attrName>ppt_y</p:attrName>
-                                        </p:attrNameLst>
-                                      </p:cBhvr>
-                                      <p:rCtr x="13047" y="324"/>
-                                    </p:animMotion>
-                                  </p:childTnLst>
-                                </p:cTn>
-                              </p:par>
-                            </p:childTnLst>
-                          </p:cTn>
-                        </p:par>
-                      </p:childTnLst>
-                    </p:cTn>
-                  </p:par>
-                  <p:par>
-                    <p:cTn id="7" fill="hold">
-                      <p:stCondLst>
-                        <p:cond delay="indefinite"/>
-                      </p:stCondLst>
-                      <p:childTnLst>
-                        <p:par>
-                          <p:cTn id="8" fill="hold">
-                            <p:stCondLst>
-                              <p:cond delay="0"/>
-                            </p:stCondLst>
-                            <p:childTnLst>
-                              <p:par>
-                                <p:cTn id="9" presetID="0" presetClass="path" presetSubtype="0" accel="50000" decel="50000" fill="hold" grpId="0" nodeType="clickEffect">
+                                <p:cTn id="5" presetID="0" presetClass="path" presetSubtype="0" accel="50000" decel="50000" fill="hold" grpId="0" nodeType="clickEffect">
                                   <p:stCondLst>
                                     <p:cond delay="0"/>
                                   </p:stCondLst>
                                   <p:childTnLst>
                                     <p:animMotion origin="layout" path="M -0.04075 -0.00185 L -0.51914 -0.00185 " pathEditMode="relative" ptsTypes="AA">
                                       <p:cBhvr>
-                                        <p:cTn id="10" dur="2000" fill="hold"/>
+                                        <p:cTn id="6" dur="2000" fill="hold"/>
                                         <p:tgtEl>
                                           <p:spTgt spid="10"/>
                                         </p:tgtEl>

--- a/FootyOracle-MoralisAvax.pptx
+++ b/FootyOracle-MoralisAvax.pptx
@@ -27,6 +27,9 @@
     <p:sldId id="314" r:id="rId21"/>
     <p:sldId id="319" r:id="rId22"/>
     <p:sldId id="320" r:id="rId23"/>
+    <p:sldId id="321" r:id="rId24"/>
+    <p:sldId id="322" r:id="rId25"/>
+    <p:sldId id="323" r:id="rId26"/>
   </p:sldIdLst>
   <p:sldSz cx="12192000" cy="6858000"/>
   <p:notesSz cx="6858000" cy="9144000"/>
@@ -131,6 +134,15 @@
     </p:ext>
   </p:extLst>
 </p:presentation>
+</file>
+
+<file path=ppt/revisionInfo.xml><?xml version="1.0" encoding="utf-8"?>
+<p1510:revInfo xmlns:a="http://schemas.openxmlformats.org/drawingml/2006/main" xmlns:r="http://schemas.openxmlformats.org/officeDocument/2006/relationships" xmlns:p1510="http://schemas.microsoft.com/office/powerpoint/2015/10/main">
+  <p1510:revLst>
+    <p1510:client id="{4ED9766A-8E9F-F58D-D792-D3EC160A1492}" v="46" dt="2022-01-20T20:22:22.814"/>
+    <p1510:client id="{C3D32890-2442-A471-02AD-A366072496F9}" v="190" dt="2022-01-21T06:50:28.337"/>
+  </p1510:revLst>
+</p1510:revInfo>
 </file>
 
 <file path=ppt/diagrams/colors1.xml><?xml version="1.0" encoding="utf-8"?>
@@ -2721,7 +2733,7 @@
           <a:p>
             <a:fld id="{3A3240F5-AFDB-DE48-B865-21879250C146}" type="slidenum">
               <a:rPr lang="en-US" smtClean="0"/>
-              <a:t>‹Nr.›</a:t>
+              <a:t>‹#›</a:t>
             </a:fld>
             <a:endParaRPr lang="en-US"/>
           </a:p>
@@ -3025,7 +3037,7 @@
           <a:p>
             <a:fld id="{3A3240F5-AFDB-DE48-B865-21879250C146}" type="slidenum">
               <a:rPr lang="en-US" smtClean="0"/>
-              <a:t>‹Nr.›</a:t>
+              <a:t>‹#›</a:t>
             </a:fld>
             <a:endParaRPr lang="en-US"/>
           </a:p>
@@ -3205,7 +3217,7 @@
           <a:p>
             <a:fld id="{3A3240F5-AFDB-DE48-B865-21879250C146}" type="slidenum">
               <a:rPr lang="en-US" smtClean="0"/>
-              <a:t>‹Nr.›</a:t>
+              <a:t>‹#›</a:t>
             </a:fld>
             <a:endParaRPr lang="en-US"/>
           </a:p>
@@ -3375,7 +3387,7 @@
           <a:p>
             <a:fld id="{3A3240F5-AFDB-DE48-B865-21879250C146}" type="slidenum">
               <a:rPr lang="en-US" smtClean="0"/>
-              <a:t>‹Nr.›</a:t>
+              <a:t>‹#›</a:t>
             </a:fld>
             <a:endParaRPr lang="en-US"/>
           </a:p>
@@ -3678,7 +3690,7 @@
           <a:p>
             <a:fld id="{3A3240F5-AFDB-DE48-B865-21879250C146}" type="slidenum">
               <a:rPr lang="en-US" smtClean="0"/>
-              <a:t>‹Nr.›</a:t>
+              <a:t>‹#›</a:t>
             </a:fld>
             <a:endParaRPr lang="en-US"/>
           </a:p>
@@ -4046,7 +4058,7 @@
           <a:p>
             <a:fld id="{3A3240F5-AFDB-DE48-B865-21879250C146}" type="slidenum">
               <a:rPr lang="en-US" smtClean="0"/>
-              <a:t>‹Nr.›</a:t>
+              <a:t>‹#›</a:t>
             </a:fld>
             <a:endParaRPr lang="en-US"/>
           </a:p>
@@ -4523,7 +4535,7 @@
           <a:p>
             <a:fld id="{3A3240F5-AFDB-DE48-B865-21879250C146}" type="slidenum">
               <a:rPr lang="en-US" smtClean="0"/>
-              <a:t>‹Nr.›</a:t>
+              <a:t>‹#›</a:t>
             </a:fld>
             <a:endParaRPr lang="en-US"/>
           </a:p>
@@ -4641,7 +4653,7 @@
           <a:p>
             <a:fld id="{3A3240F5-AFDB-DE48-B865-21879250C146}" type="slidenum">
               <a:rPr lang="en-US" smtClean="0"/>
-              <a:t>‹Nr.›</a:t>
+              <a:t>‹#›</a:t>
             </a:fld>
             <a:endParaRPr lang="en-US"/>
           </a:p>
@@ -4736,7 +4748,7 @@
           <a:p>
             <a:fld id="{3A3240F5-AFDB-DE48-B865-21879250C146}" type="slidenum">
               <a:rPr lang="en-US" smtClean="0"/>
-              <a:t>‹Nr.›</a:t>
+              <a:t>‹#›</a:t>
             </a:fld>
             <a:endParaRPr lang="en-US"/>
           </a:p>
@@ -5108,7 +5120,7 @@
           <a:p>
             <a:fld id="{3A3240F5-AFDB-DE48-B865-21879250C146}" type="slidenum">
               <a:rPr lang="en-US" smtClean="0"/>
-              <a:t>‹Nr.›</a:t>
+              <a:t>‹#›</a:t>
             </a:fld>
             <a:endParaRPr lang="en-US"/>
           </a:p>
@@ -5496,7 +5508,7 @@
           <a:p>
             <a:fld id="{3A3240F5-AFDB-DE48-B865-21879250C146}" type="slidenum">
               <a:rPr lang="en-US" smtClean="0"/>
-              <a:t>‹Nr.›</a:t>
+              <a:t>‹#›</a:t>
             </a:fld>
             <a:endParaRPr lang="en-US"/>
           </a:p>
@@ -5780,7 +5792,7 @@
           <a:p>
             <a:fld id="{3A3240F5-AFDB-DE48-B865-21879250C146}" type="slidenum">
               <a:rPr lang="en-US" smtClean="0"/>
-              <a:t>‹Nr.›</a:t>
+              <a:t>‹#›</a:t>
             </a:fld>
             <a:endParaRPr lang="en-US"/>
           </a:p>
@@ -7570,11 +7582,12 @@
           </a:xfrm>
         </p:spPr>
         <p:txBody>
-          <a:bodyPr>
+          <a:bodyPr vert="horz" lIns="91440" tIns="45720" rIns="91440" bIns="45720" rtlCol="0" anchor="t">
             <a:normAutofit/>
           </a:bodyPr>
           <a:lstStyle/>
           <a:p>
+            <a:pPr marL="383540" indent="-383540"/>
             <a:r>
               <a:rPr lang="en-US" sz="2800" b="1" dirty="0"/>
               <a:t>Problem</a:t>
@@ -7583,8 +7596,10 @@
               <a:rPr lang="en-US" sz="2800" dirty="0"/>
               <a:t>: User is new to prediction markets and apprehensive about losing funds. </a:t>
             </a:r>
-          </a:p>
-          <a:p>
+            <a:endParaRPr lang="en-US"/>
+          </a:p>
+          <a:p>
+            <a:pPr marL="383540" indent="-383540"/>
             <a:r>
               <a:rPr lang="en-US" sz="2800" b="1" dirty="0"/>
               <a:t>Solution</a:t>
@@ -7595,6 +7610,7 @@
             </a:r>
           </a:p>
           <a:p>
+            <a:pPr marL="383540" indent="-383540"/>
             <a:r>
               <a:rPr lang="en-US" sz="2800" dirty="0"/>
               <a:t>Deposited funds will be staked on </a:t>
@@ -7609,9 +7625,18 @@
             </a:r>
           </a:p>
           <a:p>
+            <a:pPr marL="383540" indent="-383540"/>
             <a:r>
               <a:rPr lang="en-US" sz="2800" dirty="0"/>
-              <a:t>Winner will get the interest from staking. </a:t>
+              <a:t>One winner will get the interest from staking. (Similar to </a:t>
+            </a:r>
+            <a:r>
+              <a:rPr lang="en-US" sz="2800" dirty="0" err="1"/>
+              <a:t>Pooltogether</a:t>
+            </a:r>
+            <a:r>
+              <a:rPr lang="en-US" sz="2800" dirty="0"/>
+              <a:t>)</a:t>
             </a:r>
           </a:p>
         </p:txBody>
@@ -8476,6 +8501,395 @@
 </p:sld>
 </file>
 
+<file path=ppt/slides/slide23.xml><?xml version="1.0" encoding="utf-8"?>
+<p:sld xmlns:a="http://schemas.openxmlformats.org/drawingml/2006/main" xmlns:r="http://schemas.openxmlformats.org/officeDocument/2006/relationships" xmlns:p="http://schemas.openxmlformats.org/presentationml/2006/main">
+  <p:cSld>
+    <p:spTree>
+      <p:nvGrpSpPr>
+        <p:cNvPr id="1" name=""/>
+        <p:cNvGrpSpPr/>
+        <p:nvPr/>
+      </p:nvGrpSpPr>
+      <p:grpSpPr>
+        <a:xfrm>
+          <a:off x="0" y="0"/>
+          <a:ext cx="0" cy="0"/>
+          <a:chOff x="0" y="0"/>
+          <a:chExt cx="0" cy="0"/>
+        </a:xfrm>
+      </p:grpSpPr>
+      <p:sp>
+        <p:nvSpPr>
+          <p:cNvPr id="2" name="Title 1">
+            <a:extLst>
+              <a:ext uri="{FF2B5EF4-FFF2-40B4-BE49-F238E27FC236}">
+                <a16:creationId xmlns:a16="http://schemas.microsoft.com/office/drawing/2014/main" id="{28106583-57A8-8846-9F4C-4AFCE4C5055C}"/>
+              </a:ext>
+            </a:extLst>
+          </p:cNvPr>
+          <p:cNvSpPr>
+            <a:spLocks noGrp="1"/>
+          </p:cNvSpPr>
+          <p:nvPr>
+            <p:ph type="title"/>
+          </p:nvPr>
+        </p:nvSpPr>
+        <p:spPr>
+          <a:xfrm>
+            <a:off x="1482812" y="2489887"/>
+            <a:ext cx="9601200" cy="1485900"/>
+          </a:xfrm>
+        </p:spPr>
+        <p:txBody>
+          <a:bodyPr/>
+          <a:lstStyle/>
+          <a:p>
+            <a:pPr algn="ctr"/>
+            <a:r>
+              <a:rPr lang="en-US" dirty="0"/>
+              <a:t>Footy Token</a:t>
+            </a:r>
+          </a:p>
+        </p:txBody>
+      </p:sp>
+    </p:spTree>
+    <p:extLst>
+      <p:ext uri="{BB962C8B-B14F-4D97-AF65-F5344CB8AC3E}">
+        <p14:creationId xmlns:p14="http://schemas.microsoft.com/office/powerpoint/2010/main" val="1837288787"/>
+      </p:ext>
+    </p:extLst>
+  </p:cSld>
+  <p:clrMapOvr>
+    <a:masterClrMapping/>
+  </p:clrMapOvr>
+</p:sld>
+</file>
+
+<file path=ppt/slides/slide24.xml><?xml version="1.0" encoding="utf-8"?>
+<p:sld xmlns:a="http://schemas.openxmlformats.org/drawingml/2006/main" xmlns:r="http://schemas.openxmlformats.org/officeDocument/2006/relationships" xmlns:p="http://schemas.openxmlformats.org/presentationml/2006/main">
+  <p:cSld>
+    <p:spTree>
+      <p:nvGrpSpPr>
+        <p:cNvPr id="1" name=""/>
+        <p:cNvGrpSpPr/>
+        <p:nvPr/>
+      </p:nvGrpSpPr>
+      <p:grpSpPr>
+        <a:xfrm>
+          <a:off x="0" y="0"/>
+          <a:ext cx="0" cy="0"/>
+          <a:chOff x="0" y="0"/>
+          <a:chExt cx="0" cy="0"/>
+        </a:xfrm>
+      </p:grpSpPr>
+      <p:sp>
+        <p:nvSpPr>
+          <p:cNvPr id="2" name="Title 1">
+            <a:extLst>
+              <a:ext uri="{FF2B5EF4-FFF2-40B4-BE49-F238E27FC236}">
+                <a16:creationId xmlns:a16="http://schemas.microsoft.com/office/drawing/2014/main" id="{75D3E29F-927D-444B-B174-029E075D438A}"/>
+              </a:ext>
+            </a:extLst>
+          </p:cNvPr>
+          <p:cNvSpPr>
+            <a:spLocks noGrp="1"/>
+          </p:cNvSpPr>
+          <p:nvPr>
+            <p:ph type="title"/>
+          </p:nvPr>
+        </p:nvSpPr>
+        <p:spPr>
+          <a:xfrm>
+            <a:off x="1371600" y="685800"/>
+            <a:ext cx="9601200" cy="813816"/>
+          </a:xfrm>
+        </p:spPr>
+        <p:txBody>
+          <a:bodyPr/>
+          <a:lstStyle/>
+          <a:p>
+            <a:r>
+              <a:rPr lang="en-US" dirty="0"/>
+              <a:t>Utility of Footy Token</a:t>
+            </a:r>
+          </a:p>
+        </p:txBody>
+      </p:sp>
+      <p:sp>
+        <p:nvSpPr>
+          <p:cNvPr id="3" name="Content Placeholder 2">
+            <a:extLst>
+              <a:ext uri="{FF2B5EF4-FFF2-40B4-BE49-F238E27FC236}">
+                <a16:creationId xmlns:a16="http://schemas.microsoft.com/office/drawing/2014/main" id="{332BE7DB-53F8-044D-82DE-2C031260506E}"/>
+              </a:ext>
+            </a:extLst>
+          </p:cNvPr>
+          <p:cNvSpPr>
+            <a:spLocks noGrp="1"/>
+          </p:cNvSpPr>
+          <p:nvPr>
+            <p:ph idx="1"/>
+          </p:nvPr>
+        </p:nvSpPr>
+        <p:spPr>
+          <a:xfrm>
+            <a:off x="1371600" y="1643605"/>
+            <a:ext cx="9601200" cy="4223795"/>
+          </a:xfrm>
+        </p:spPr>
+        <p:txBody>
+          <a:bodyPr vert="horz" lIns="91440" tIns="45720" rIns="91440" bIns="45720" rtlCol="0" anchor="t">
+            <a:normAutofit/>
+          </a:bodyPr>
+          <a:lstStyle/>
+          <a:p>
+            <a:pPr marL="383540" indent="-383540"/>
+            <a:r>
+              <a:rPr lang="en-US" b="1" dirty="0"/>
+              <a:t>For Exchange</a:t>
+            </a:r>
+            <a:r>
+              <a:rPr lang="en-US" dirty="0"/>
+              <a:t>:</a:t>
+            </a:r>
+            <a:endParaRPr lang="en-US"/>
+          </a:p>
+          <a:p>
+            <a:pPr lvl="1" indent="-383540"/>
+            <a:r>
+              <a:rPr lang="en-US" dirty="0"/>
+              <a:t>Paying less fees on trades</a:t>
+            </a:r>
+          </a:p>
+          <a:p>
+            <a:pPr marL="383540" indent="-383540"/>
+            <a:r>
+              <a:rPr lang="en-US" b="1" dirty="0"/>
+              <a:t>For Lossless betting</a:t>
+            </a:r>
+            <a:r>
+              <a:rPr lang="en-US" dirty="0"/>
+              <a:t>:</a:t>
+            </a:r>
+          </a:p>
+          <a:p>
+            <a:pPr lvl="1" indent="-383540"/>
+            <a:r>
+              <a:rPr lang="en-US" dirty="0"/>
+              <a:t>Boosting chance for winning the prize</a:t>
+            </a:r>
+          </a:p>
+          <a:p>
+            <a:pPr marL="383540" indent="-383540"/>
+            <a:r>
+              <a:rPr lang="en-US" b="1" dirty="0"/>
+              <a:t>More</a:t>
+            </a:r>
+            <a:r>
+              <a:rPr lang="en-DE" b="1" dirty="0"/>
+              <a:t>:</a:t>
+            </a:r>
+            <a:endParaRPr lang="en-US" b="1" dirty="0">
+              <a:ea typeface="+mn-lt"/>
+              <a:cs typeface="+mn-lt"/>
+            </a:endParaRPr>
+          </a:p>
+          <a:p>
+            <a:pPr lvl="1" indent="-383540"/>
+            <a:r>
+              <a:rPr lang="en-US" dirty="0">
+                <a:ea typeface="+mn-lt"/>
+                <a:cs typeface="+mn-lt"/>
+              </a:rPr>
+              <a:t>Integrating with social tokens</a:t>
+            </a:r>
+          </a:p>
+          <a:p>
+            <a:pPr lvl="1" indent="-383540"/>
+            <a:r>
+              <a:rPr lang="en-US" dirty="0"/>
+              <a:t>Staking/holding FC Porto token and Footy token = Eligibility of prizes from club </a:t>
+            </a:r>
+            <a:r>
+              <a:rPr lang="en-US"/>
+              <a:t>( tickets, merch … )</a:t>
+            </a:r>
+            <a:endParaRPr lang="en-US" dirty="0"/>
+          </a:p>
+          <a:p>
+            <a:pPr marL="383540" indent="-383540"/>
+            <a:endParaRPr lang="en-US" b="1" dirty="0"/>
+          </a:p>
+          <a:p>
+            <a:pPr marL="0" indent="0">
+              <a:buNone/>
+            </a:pPr>
+            <a:endParaRPr lang="en-US" b="1" dirty="0"/>
+          </a:p>
+          <a:p>
+            <a:pPr marL="383540" indent="-383540"/>
+            <a:endParaRPr lang="en-US" b="1" dirty="0"/>
+          </a:p>
+          <a:p>
+            <a:pPr lvl="1" indent="-383540"/>
+            <a:endParaRPr lang="en-US" dirty="0"/>
+          </a:p>
+          <a:p>
+            <a:pPr marL="383540" indent="-383540"/>
+            <a:endParaRPr lang="en-US" dirty="0"/>
+          </a:p>
+        </p:txBody>
+      </p:sp>
+    </p:spTree>
+    <p:extLst>
+      <p:ext uri="{BB962C8B-B14F-4D97-AF65-F5344CB8AC3E}">
+        <p14:creationId xmlns:p14="http://schemas.microsoft.com/office/powerpoint/2010/main" val="1909226809"/>
+      </p:ext>
+    </p:extLst>
+  </p:cSld>
+  <p:clrMapOvr>
+    <a:masterClrMapping/>
+  </p:clrMapOvr>
+</p:sld>
+</file>
+
+<file path=ppt/slides/slide25.xml><?xml version="1.0" encoding="utf-8"?>
+<p:sld xmlns:a="http://schemas.openxmlformats.org/drawingml/2006/main" xmlns:r="http://schemas.openxmlformats.org/officeDocument/2006/relationships" xmlns:p="http://schemas.openxmlformats.org/presentationml/2006/main">
+  <p:cSld>
+    <p:spTree>
+      <p:nvGrpSpPr>
+        <p:cNvPr id="1" name=""/>
+        <p:cNvGrpSpPr/>
+        <p:nvPr/>
+      </p:nvGrpSpPr>
+      <p:grpSpPr>
+        <a:xfrm>
+          <a:off x="0" y="0"/>
+          <a:ext cx="0" cy="0"/>
+          <a:chOff x="0" y="0"/>
+          <a:chExt cx="0" cy="0"/>
+        </a:xfrm>
+      </p:grpSpPr>
+      <p:sp>
+        <p:nvSpPr>
+          <p:cNvPr id="2" name="Title 1">
+            <a:extLst>
+              <a:ext uri="{FF2B5EF4-FFF2-40B4-BE49-F238E27FC236}">
+                <a16:creationId xmlns:a16="http://schemas.microsoft.com/office/drawing/2014/main" id="{75D3E29F-927D-444B-B174-029E075D438A}"/>
+              </a:ext>
+            </a:extLst>
+          </p:cNvPr>
+          <p:cNvSpPr>
+            <a:spLocks noGrp="1"/>
+          </p:cNvSpPr>
+          <p:nvPr>
+            <p:ph type="title"/>
+          </p:nvPr>
+        </p:nvSpPr>
+        <p:spPr>
+          <a:xfrm>
+            <a:off x="1371600" y="685800"/>
+            <a:ext cx="9601200" cy="813816"/>
+          </a:xfrm>
+        </p:spPr>
+        <p:txBody>
+          <a:bodyPr/>
+          <a:lstStyle/>
+          <a:p>
+            <a:r>
+              <a:rPr lang="en-US" dirty="0"/>
+              <a:t>Distribution of Footy Token</a:t>
+            </a:r>
+          </a:p>
+        </p:txBody>
+      </p:sp>
+      <p:sp>
+        <p:nvSpPr>
+          <p:cNvPr id="3" name="Content Placeholder 2">
+            <a:extLst>
+              <a:ext uri="{FF2B5EF4-FFF2-40B4-BE49-F238E27FC236}">
+                <a16:creationId xmlns:a16="http://schemas.microsoft.com/office/drawing/2014/main" id="{332BE7DB-53F8-044D-82DE-2C031260506E}"/>
+              </a:ext>
+            </a:extLst>
+          </p:cNvPr>
+          <p:cNvSpPr>
+            <a:spLocks noGrp="1"/>
+          </p:cNvSpPr>
+          <p:nvPr>
+            <p:ph idx="1"/>
+          </p:nvPr>
+        </p:nvSpPr>
+        <p:spPr>
+          <a:xfrm>
+            <a:off x="1371600" y="1643605"/>
+            <a:ext cx="9601200" cy="4223795"/>
+          </a:xfrm>
+        </p:spPr>
+        <p:txBody>
+          <a:bodyPr vert="horz" lIns="91440" tIns="45720" rIns="91440" bIns="45720" rtlCol="0" anchor="t">
+            <a:normAutofit/>
+          </a:bodyPr>
+          <a:lstStyle/>
+          <a:p>
+            <a:pPr marL="383540" indent="-383540"/>
+            <a:r>
+              <a:rPr lang="en-US" b="1" dirty="0"/>
+              <a:t>Yield Farming Incentives</a:t>
+            </a:r>
+            <a:r>
+              <a:rPr lang="en-US" dirty="0"/>
+              <a:t>:</a:t>
+            </a:r>
+          </a:p>
+          <a:p>
+            <a:pPr lvl="1" indent="-383540"/>
+            <a:r>
+              <a:rPr lang="en-US" dirty="0"/>
+              <a:t>Earning tokens for participating in lossless betting</a:t>
+            </a:r>
+          </a:p>
+          <a:p>
+            <a:pPr lvl="1" indent="-383540"/>
+            <a:r>
+              <a:rPr lang="en-US" dirty="0"/>
+              <a:t>Earning tokens for betting ( </a:t>
+            </a:r>
+            <a:r>
+              <a:rPr lang="en-US" dirty="0" err="1"/>
+              <a:t>e.g</a:t>
+            </a:r>
+            <a:r>
+              <a:rPr lang="en-US" dirty="0"/>
+              <a:t> 10 footy tokens for each 1 Eth of fees paid)</a:t>
+            </a:r>
+          </a:p>
+          <a:p>
+            <a:pPr marL="383540" indent="-383540"/>
+            <a:endParaRPr lang="en-US" dirty="0"/>
+          </a:p>
+          <a:p>
+            <a:pPr lvl="1" indent="-383540"/>
+            <a:endParaRPr lang="en-US" dirty="0"/>
+          </a:p>
+          <a:p>
+            <a:pPr marL="383540" indent="-383540"/>
+            <a:endParaRPr lang="en-US" dirty="0"/>
+          </a:p>
+        </p:txBody>
+      </p:sp>
+    </p:spTree>
+    <p:extLst>
+      <p:ext uri="{BB962C8B-B14F-4D97-AF65-F5344CB8AC3E}">
+        <p14:creationId xmlns:p14="http://schemas.microsoft.com/office/powerpoint/2010/main" val="955966439"/>
+      </p:ext>
+    </p:extLst>
+  </p:cSld>
+  <p:clrMapOvr>
+    <a:masterClrMapping/>
+  </p:clrMapOvr>
+</p:sld>
+</file>
+
 <file path=ppt/slides/slide3.xml><?xml version="1.0" encoding="utf-8"?>
 <p:sld xmlns:a="http://schemas.openxmlformats.org/drawingml/2006/main" xmlns:r="http://schemas.openxmlformats.org/officeDocument/2006/relationships" xmlns:p="http://schemas.openxmlformats.org/presentationml/2006/main">
   <p:cSld>
@@ -8521,7 +8935,7 @@
           <a:p>
             <a:r>
               <a:rPr lang="en-US" dirty="0"/>
-              <a:t>Projects we used</a:t>
+              <a:t>Technologies we used</a:t>
             </a:r>
           </a:p>
         </p:txBody>
@@ -8549,26 +8963,27 @@
           </a:xfrm>
         </p:spPr>
         <p:txBody>
-          <a:bodyPr>
+          <a:bodyPr vert="horz" lIns="91440" tIns="45720" rIns="91440" bIns="45720" rtlCol="0" anchor="t">
             <a:normAutofit/>
           </a:bodyPr>
           <a:lstStyle/>
           <a:p>
-            <a:r>
-              <a:rPr lang="en-US" sz="2800" b="1" dirty="0" err="1"/>
+            <a:pPr marL="383540" indent="-383540"/>
+            <a:r>
+              <a:rPr lang="en-US" sz="2800" b="1" dirty="0"/>
               <a:t>Moralis</a:t>
             </a:r>
             <a:endParaRPr lang="en-US" sz="2800" dirty="0"/>
           </a:p>
           <a:p>
-            <a:pPr lvl="1"/>
+            <a:pPr lvl="1" indent="-383540"/>
             <a:r>
               <a:rPr lang="en-US" sz="2800" dirty="0"/>
               <a:t>UI hosting</a:t>
             </a:r>
           </a:p>
           <a:p>
-            <a:pPr lvl="1"/>
+            <a:pPr lvl="1" indent="-383540"/>
             <a:r>
               <a:rPr lang="en-US" sz="2800" dirty="0"/>
               <a:t>Cloud functions, Event Sync</a:t>
@@ -8580,20 +8995,21 @@
             <a:endParaRPr lang="en-US" sz="2800" dirty="0"/>
           </a:p>
           <a:p>
-            <a:pPr lvl="1"/>
+            <a:pPr lvl="1" indent="-383540"/>
             <a:r>
               <a:rPr lang="en-US" sz="2800" dirty="0"/>
               <a:t>Wallet and User interaction</a:t>
             </a:r>
           </a:p>
           <a:p>
-            <a:pPr lvl="1"/>
+            <a:pPr lvl="1" indent="-383540"/>
             <a:r>
               <a:rPr lang="en-US" sz="2800" dirty="0"/>
               <a:t>Platform Analytics</a:t>
             </a:r>
           </a:p>
           <a:p>
+            <a:pPr marL="383540" indent="-383540"/>
             <a:r>
               <a:rPr lang="en-US" sz="2800" dirty="0"/>
               <a:t>Smart contract deployed on </a:t>
@@ -8608,16 +9024,17 @@
             </a:r>
           </a:p>
           <a:p>
+            <a:pPr marL="383540" indent="-383540"/>
             <a:r>
               <a:rPr lang="en-US" sz="2800" b="1" dirty="0"/>
               <a:t>Y</a:t>
             </a:r>
             <a:r>
-              <a:rPr lang="en-DE" sz="2800" b="1" dirty="0" err="1"/>
+              <a:rPr lang="en-DE" sz="2800" b="1" dirty="0"/>
               <a:t>ie</a:t>
             </a:r>
             <a:r>
-              <a:rPr lang="en-US" sz="2800" b="1" dirty="0" err="1"/>
+              <a:rPr lang="en-US" sz="2800" b="1" dirty="0"/>
               <a:t>ldYak</a:t>
             </a:r>
             <a:r>
@@ -8626,9 +9043,10 @@
             </a:r>
           </a:p>
           <a:p>
-            <a:r>
-              <a:rPr lang="en-US" sz="2800" b="1" dirty="0"/>
-              <a:t>BENQI </a:t>
+            <a:pPr marL="383540" indent="-383540"/>
+            <a:r>
+              <a:rPr lang="en-US" sz="2800" b="1"/>
+              <a:t>BENQI/Aave </a:t>
             </a:r>
             <a:r>
               <a:rPr lang="en-US" sz="2800" dirty="0"/>
@@ -8636,6 +9054,7 @@
             </a:r>
           </a:p>
           <a:p>
+            <a:pPr marL="383540" indent="-383540"/>
             <a:r>
               <a:rPr lang="en-US" sz="2800" b="1" dirty="0" err="1"/>
               <a:t>Chainlink</a:t>
@@ -8647,6 +9066,7 @@
             <a:endParaRPr lang="en-US" sz="2800" b="1" dirty="0"/>
           </a:p>
           <a:p>
+            <a:pPr marL="383540" indent="-383540"/>
             <a:r>
               <a:rPr lang="en-US" sz="2800" b="1" dirty="0"/>
               <a:t>IPFS</a:t>
@@ -8657,6 +9077,7 @@
             </a:r>
           </a:p>
           <a:p>
+            <a:pPr marL="383540" indent="-383540"/>
             <a:endParaRPr lang="en-US" sz="2800" dirty="0"/>
           </a:p>
         </p:txBody>
@@ -8986,7 +9407,7 @@
               <a:avLst/>
             </a:prstGeom>
             <a:solidFill>
-              <a:schemeClr val="accent3"/>
+              <a:srgbClr val="0070C0"/>
             </a:solidFill>
             <a:ln>
               <a:solidFill>
@@ -9043,9 +9464,9 @@
               <a:avLst/>
             </a:prstGeom>
             <a:solidFill>
-              <a:schemeClr val="accent2">
-                <a:lumMod val="40000"/>
-                <a:lumOff val="60000"/>
+              <a:schemeClr val="tx1">
+                <a:lumMod val="65000"/>
+                <a:lumOff val="35000"/>
               </a:schemeClr>
             </a:solidFill>
           </p:spPr>
@@ -9176,9 +9597,9 @@
               <a:avLst/>
             </a:prstGeom>
             <a:solidFill>
-              <a:schemeClr val="accent2">
-                <a:lumMod val="40000"/>
-                <a:lumOff val="60000"/>
+              <a:schemeClr val="tx1">
+                <a:lumMod val="50000"/>
+                <a:lumOff val="50000"/>
               </a:schemeClr>
             </a:solidFill>
           </p:spPr>
